--- a/communication/G-Cloud-20210224.pptx
+++ b/communication/G-Cloud-20210224.pptx
@@ -211,7 +211,7 @@
 <file path=ppt/revisionInfo.xml><?xml version="1.0" encoding="utf-8"?>
 <p1510:revInfo xmlns:a="http://schemas.openxmlformats.org/drawingml/2006/main" xmlns:r="http://schemas.openxmlformats.org/officeDocument/2006/relationships" xmlns:p1510="http://schemas.microsoft.com/office/powerpoint/2015/10/main">
   <p1510:revLst>
-    <p1510:client id="{46859D6B-DB36-44CF-AF7C-BA7690F2D0B4}" v="7" dt="2021-02-22T08:12:48.240"/>
+    <p1510:client id="{46859D6B-DB36-44CF-AF7C-BA7690F2D0B4}" v="12" dt="2021-02-22T14:41:11.535"/>
   </p1510:revLst>
 </p1510:revInfo>
 </file>
@@ -274,7 +274,7 @@
   <pc:docChgLst>
     <pc:chgData name="Marc Bruyland (BOSA)" userId="30f554ab-b4b0-445e-a2ab-9dd766d4dafd" providerId="ADAL" clId="{46859D6B-DB36-44CF-AF7C-BA7690F2D0B4}"/>
     <pc:docChg chg="undo custSel addSld modSld">
-      <pc:chgData name="Marc Bruyland (BOSA)" userId="30f554ab-b4b0-445e-a2ab-9dd766d4dafd" providerId="ADAL" clId="{46859D6B-DB36-44CF-AF7C-BA7690F2D0B4}" dt="2021-02-22T08:18:40.576" v="1070" actId="20577"/>
+      <pc:chgData name="Marc Bruyland (BOSA)" userId="30f554ab-b4b0-445e-a2ab-9dd766d4dafd" providerId="ADAL" clId="{46859D6B-DB36-44CF-AF7C-BA7690F2D0B4}" dt="2021-02-22T14:45:08.187" v="1158" actId="1076"/>
       <pc:docMkLst>
         <pc:docMk/>
       </pc:docMkLst>
@@ -324,14 +324,22 @@
           </ac:spMkLst>
         </pc:spChg>
       </pc:sldChg>
-      <pc:sldChg chg="modSp add mod">
-        <pc:chgData name="Marc Bruyland (BOSA)" userId="30f554ab-b4b0-445e-a2ab-9dd766d4dafd" providerId="ADAL" clId="{46859D6B-DB36-44CF-AF7C-BA7690F2D0B4}" dt="2021-02-22T08:12:11.444" v="596" actId="108"/>
+      <pc:sldChg chg="addSp delSp modSp add mod">
+        <pc:chgData name="Marc Bruyland (BOSA)" userId="30f554ab-b4b0-445e-a2ab-9dd766d4dafd" providerId="ADAL" clId="{46859D6B-DB36-44CF-AF7C-BA7690F2D0B4}" dt="2021-02-22T14:45:08.187" v="1158" actId="1076"/>
         <pc:sldMkLst>
           <pc:docMk/>
           <pc:sldMk cId="3967147004" sldId="259"/>
         </pc:sldMkLst>
+        <pc:spChg chg="add del mod">
+          <ac:chgData name="Marc Bruyland (BOSA)" userId="30f554ab-b4b0-445e-a2ab-9dd766d4dafd" providerId="ADAL" clId="{46859D6B-DB36-44CF-AF7C-BA7690F2D0B4}" dt="2021-02-22T14:41:27.091" v="1100" actId="478"/>
+          <ac:spMkLst>
+            <pc:docMk/>
+            <pc:sldMk cId="3967147004" sldId="259"/>
+            <ac:spMk id="2" creationId="{A6C5C191-7537-431D-8366-FE6148969466}"/>
+          </ac:spMkLst>
+        </pc:spChg>
         <pc:spChg chg="mod">
-          <ac:chgData name="Marc Bruyland (BOSA)" userId="30f554ab-b4b0-445e-a2ab-9dd766d4dafd" providerId="ADAL" clId="{46859D6B-DB36-44CF-AF7C-BA7690F2D0B4}" dt="2021-02-22T08:12:11.444" v="596" actId="108"/>
+          <ac:chgData name="Marc Bruyland (BOSA)" userId="30f554ab-b4b0-445e-a2ab-9dd766d4dafd" providerId="ADAL" clId="{46859D6B-DB36-44CF-AF7C-BA7690F2D0B4}" dt="2021-02-22T14:45:08.187" v="1158" actId="1076"/>
           <ac:spMkLst>
             <pc:docMk/>
             <pc:sldMk cId="3967147004" sldId="259"/>
@@ -344,6 +352,22 @@
             <pc:docMk/>
             <pc:sldMk cId="3967147004" sldId="259"/>
             <ac:spMk id="5" creationId="{2365E02C-870A-4763-8889-374CB16C4124}"/>
+          </ac:spMkLst>
+        </pc:spChg>
+        <pc:spChg chg="add mod">
+          <ac:chgData name="Marc Bruyland (BOSA)" userId="30f554ab-b4b0-445e-a2ab-9dd766d4dafd" providerId="ADAL" clId="{46859D6B-DB36-44CF-AF7C-BA7690F2D0B4}" dt="2021-02-22T14:44:01.204" v="1133" actId="255"/>
+          <ac:spMkLst>
+            <pc:docMk/>
+            <pc:sldMk cId="3967147004" sldId="259"/>
+            <ac:spMk id="6" creationId="{597FB597-1425-4F88-B9E2-5366F1B8B6A5}"/>
+          </ac:spMkLst>
+        </pc:spChg>
+        <pc:spChg chg="add mod">
+          <ac:chgData name="Marc Bruyland (BOSA)" userId="30f554ab-b4b0-445e-a2ab-9dd766d4dafd" providerId="ADAL" clId="{46859D6B-DB36-44CF-AF7C-BA7690F2D0B4}" dt="2021-02-22T14:43:37.871" v="1130" actId="14100"/>
+          <ac:spMkLst>
+            <pc:docMk/>
+            <pc:sldMk cId="3967147004" sldId="259"/>
+            <ac:spMk id="7" creationId="{0D5470AB-AA8B-4AF4-AEFD-F35B51AF0C8D}"/>
           </ac:spMkLst>
         </pc:spChg>
       </pc:sldChg>
@@ -13200,164 +13224,413 @@
         </p:nvSpPr>
         <p:spPr>
           <a:xfrm>
-            <a:off x="611560" y="951570"/>
-            <a:ext cx="8243936" cy="3726413"/>
+            <a:off x="467544" y="1026707"/>
+            <a:ext cx="8568952" cy="965846"/>
           </a:xfrm>
         </p:spPr>
         <p:txBody>
           <a:bodyPr>
-            <a:normAutofit fontScale="62500" lnSpcReduction="20000"/>
+            <a:normAutofit/>
           </a:bodyPr>
           <a:lstStyle/>
+          <a:p>
+            <a:r>
+              <a:rPr lang="nl-BE" sz="1700" dirty="0" err="1"/>
+              <a:t>Purpose</a:t>
+            </a:r>
+            <a:r>
+              <a:rPr lang="nl-BE" sz="1700" dirty="0"/>
+              <a:t> of </a:t>
+            </a:r>
+            <a:r>
+              <a:rPr lang="nl-BE" sz="1700" dirty="0" err="1"/>
+              <a:t>the</a:t>
+            </a:r>
+            <a:r>
+              <a:rPr lang="nl-BE" sz="1700" dirty="0"/>
+              <a:t> data </a:t>
+            </a:r>
+            <a:r>
+              <a:rPr lang="nl-BE" sz="1700" dirty="0" err="1"/>
+              <a:t>standards</a:t>
+            </a:r>
+            <a:r>
+              <a:rPr lang="nl-BE" sz="1700" dirty="0"/>
+              <a:t> ?</a:t>
+            </a:r>
+          </a:p>
+          <a:p>
+            <a:pPr marL="800100" lvl="1" indent="-342900">
+              <a:buFont typeface="Arial" panose="020B0604020202020204" pitchFamily="34" charset="0"/>
+              <a:buChar char="•"/>
+            </a:pPr>
+            <a:r>
+              <a:rPr lang="nl-BE" dirty="0" err="1"/>
+              <a:t>Interoperability</a:t>
+            </a:r>
+            <a:r>
+              <a:rPr lang="nl-BE" dirty="0"/>
+              <a:t> of data exchanges </a:t>
+            </a:r>
+            <a:r>
+              <a:rPr lang="nl-BE" dirty="0" err="1"/>
+              <a:t>with</a:t>
+            </a:r>
+            <a:r>
+              <a:rPr lang="nl-BE" dirty="0"/>
+              <a:t> Federal </a:t>
+            </a:r>
+            <a:r>
+              <a:rPr lang="nl-BE" dirty="0" err="1"/>
+              <a:t>organizations</a:t>
+            </a:r>
+            <a:r>
+              <a:rPr lang="nl-BE" dirty="0"/>
+              <a:t>, </a:t>
+            </a:r>
+            <a:r>
+              <a:rPr lang="nl-BE" dirty="0" err="1"/>
+              <a:t>Regions</a:t>
+            </a:r>
+            <a:r>
+              <a:rPr lang="nl-BE" dirty="0"/>
+              <a:t> &amp; </a:t>
+            </a:r>
+            <a:r>
+              <a:rPr lang="nl-BE" dirty="0" err="1"/>
+              <a:t>Communities</a:t>
+            </a:r>
+            <a:r>
+              <a:rPr lang="nl-BE" dirty="0"/>
+              <a:t> </a:t>
+            </a:r>
+            <a:r>
+              <a:rPr lang="nl-BE" dirty="0" err="1"/>
+              <a:t>and</a:t>
+            </a:r>
+            <a:r>
+              <a:rPr lang="nl-BE" dirty="0"/>
+              <a:t> </a:t>
+            </a:r>
+            <a:r>
+              <a:rPr lang="nl-BE" dirty="0" err="1"/>
+              <a:t>the</a:t>
+            </a:r>
+            <a:r>
+              <a:rPr lang="nl-BE" dirty="0"/>
+              <a:t> EU</a:t>
+            </a:r>
+          </a:p>
+          <a:p>
+            <a:pPr lvl="2"/>
+            <a:endParaRPr lang="nl-BE" dirty="0"/>
+          </a:p>
+          <a:p>
+            <a:endParaRPr lang="nl-BE" dirty="0"/>
+          </a:p>
+        </p:txBody>
+      </p:sp>
+      <p:sp>
+        <p:nvSpPr>
+          <p:cNvPr id="4" name="Slide Number Placeholder 3">
+            <a:extLst>
+              <a:ext uri="{FF2B5EF4-FFF2-40B4-BE49-F238E27FC236}">
+                <a16:creationId xmlns:a16="http://schemas.microsoft.com/office/drawing/2014/main" id="{BCF2F412-33ED-41FC-8B97-715AEE1633B9}"/>
+              </a:ext>
+            </a:extLst>
+          </p:cNvPr>
+          <p:cNvSpPr>
+            <a:spLocks noGrp="1"/>
+          </p:cNvSpPr>
+          <p:nvPr>
+            <p:ph type="sldNum" sz="quarter" idx="10"/>
+          </p:nvPr>
+        </p:nvSpPr>
+        <p:spPr/>
+        <p:txBody>
+          <a:bodyPr/>
+          <a:lstStyle/>
+          <a:p>
+            <a:fld id="{DF1FBB3B-0B1B-4319-9DD0-891705888316}" type="slidenum">
+              <a:rPr lang="fr-BE" smtClean="0"/>
+              <a:pPr/>
+              <a:t>3</a:t>
+            </a:fld>
+            <a:endParaRPr lang="fr-BE" dirty="0"/>
+          </a:p>
+        </p:txBody>
+      </p:sp>
+      <p:sp>
+        <p:nvSpPr>
+          <p:cNvPr id="5" name="Title 4">
+            <a:extLst>
+              <a:ext uri="{FF2B5EF4-FFF2-40B4-BE49-F238E27FC236}">
+                <a16:creationId xmlns:a16="http://schemas.microsoft.com/office/drawing/2014/main" id="{2365E02C-870A-4763-8889-374CB16C4124}"/>
+              </a:ext>
+            </a:extLst>
+          </p:cNvPr>
+          <p:cNvSpPr>
+            <a:spLocks noGrp="1"/>
+          </p:cNvSpPr>
+          <p:nvPr>
+            <p:ph type="title"/>
+          </p:nvPr>
+        </p:nvSpPr>
+        <p:spPr/>
+        <p:txBody>
+          <a:bodyPr/>
+          <a:lstStyle/>
+          <a:p>
+            <a:r>
+              <a:rPr lang="nl-BE" dirty="0" err="1"/>
+              <a:t>Available</a:t>
+            </a:r>
+            <a:r>
+              <a:rPr lang="nl-BE" dirty="0"/>
+              <a:t> data </a:t>
+            </a:r>
+            <a:r>
+              <a:rPr lang="nl-BE" dirty="0" err="1"/>
+              <a:t>standards</a:t>
+            </a:r>
+            <a:endParaRPr lang="nl-BE" dirty="0"/>
+          </a:p>
+        </p:txBody>
+      </p:sp>
+      <p:sp>
+        <p:nvSpPr>
+          <p:cNvPr id="6" name="Text Placeholder 2">
+            <a:extLst>
+              <a:ext uri="{FF2B5EF4-FFF2-40B4-BE49-F238E27FC236}">
+                <a16:creationId xmlns:a16="http://schemas.microsoft.com/office/drawing/2014/main" id="{597FB597-1425-4F88-B9E2-5366F1B8B6A5}"/>
+              </a:ext>
+            </a:extLst>
+          </p:cNvPr>
+          <p:cNvSpPr txBox="1">
+            <a:spLocks/>
+          </p:cNvSpPr>
+          <p:nvPr/>
+        </p:nvSpPr>
+        <p:spPr>
+          <a:xfrm>
+            <a:off x="4644008" y="2711525"/>
+            <a:ext cx="3797932" cy="1836202"/>
+          </a:xfrm>
+          <a:prstGeom prst="rect">
+            <a:avLst/>
+          </a:prstGeom>
+        </p:spPr>
+        <p:txBody>
+          <a:bodyPr vert="horz" lIns="91440" tIns="45720" rIns="91440" bIns="45720" rtlCol="0">
+            <a:normAutofit/>
+          </a:bodyPr>
+          <a:lstStyle>
+            <a:lvl1pPr marL="0" indent="0" algn="l" rtl="0" eaLnBrk="1" fontAlgn="base" hangingPunct="1">
+              <a:lnSpc>
+                <a:spcPct val="150000"/>
+              </a:lnSpc>
+              <a:spcBef>
+                <a:spcPct val="0"/>
+              </a:spcBef>
+              <a:spcAft>
+                <a:spcPts val="0"/>
+              </a:spcAft>
+              <a:buNone/>
+              <a:defRPr sz="2400">
+                <a:solidFill>
+                  <a:schemeClr val="tx1"/>
+                </a:solidFill>
+                <a:latin typeface="+mn-lt"/>
+                <a:ea typeface="+mn-ea"/>
+                <a:cs typeface="+mn-cs"/>
+              </a:defRPr>
+            </a:lvl1pPr>
+            <a:lvl2pPr marL="457200" indent="0" algn="l" rtl="0" eaLnBrk="1" fontAlgn="base" hangingPunct="1">
+              <a:lnSpc>
+                <a:spcPct val="150000"/>
+              </a:lnSpc>
+              <a:spcBef>
+                <a:spcPct val="20000"/>
+              </a:spcBef>
+              <a:spcAft>
+                <a:spcPct val="0"/>
+              </a:spcAft>
+              <a:buFont typeface="Arial" panose="020B0604020202020204" pitchFamily="34" charset="0"/>
+              <a:buNone/>
+              <a:defRPr sz="1200">
+                <a:solidFill>
+                  <a:schemeClr val="accent2">
+                    <a:lumMod val="50000"/>
+                  </a:schemeClr>
+                </a:solidFill>
+                <a:latin typeface="+mn-lt"/>
+              </a:defRPr>
+            </a:lvl2pPr>
+            <a:lvl3pPr marL="914400" indent="0" algn="l" rtl="0" eaLnBrk="1" fontAlgn="base" hangingPunct="1">
+              <a:lnSpc>
+                <a:spcPct val="150000"/>
+              </a:lnSpc>
+              <a:spcBef>
+                <a:spcPct val="20000"/>
+              </a:spcBef>
+              <a:spcAft>
+                <a:spcPct val="0"/>
+              </a:spcAft>
+              <a:buSzPct val="60000"/>
+              <a:buFont typeface="Courier New" panose="02070309020205020404" pitchFamily="49" charset="0"/>
+              <a:buNone/>
+              <a:defRPr sz="1000">
+                <a:solidFill>
+                  <a:schemeClr val="accent2">
+                    <a:lumMod val="50000"/>
+                  </a:schemeClr>
+                </a:solidFill>
+                <a:latin typeface="+mn-lt"/>
+              </a:defRPr>
+            </a:lvl3pPr>
+            <a:lvl4pPr marL="1371600" indent="0" algn="l" rtl="0" eaLnBrk="1" fontAlgn="base" hangingPunct="1">
+              <a:lnSpc>
+                <a:spcPct val="150000"/>
+              </a:lnSpc>
+              <a:spcBef>
+                <a:spcPct val="20000"/>
+              </a:spcBef>
+              <a:spcAft>
+                <a:spcPct val="0"/>
+              </a:spcAft>
+              <a:buFont typeface="Wingdings" panose="05000000000000000000" pitchFamily="2" charset="2"/>
+              <a:buNone/>
+              <a:defRPr sz="900">
+                <a:solidFill>
+                  <a:schemeClr val="accent2">
+                    <a:lumMod val="50000"/>
+                  </a:schemeClr>
+                </a:solidFill>
+                <a:latin typeface="+mn-lt"/>
+              </a:defRPr>
+            </a:lvl4pPr>
+            <a:lvl5pPr marL="1828800" indent="0" algn="l" rtl="0" eaLnBrk="1" fontAlgn="base" hangingPunct="1">
+              <a:lnSpc>
+                <a:spcPct val="150000"/>
+              </a:lnSpc>
+              <a:spcBef>
+                <a:spcPct val="20000"/>
+              </a:spcBef>
+              <a:spcAft>
+                <a:spcPct val="0"/>
+              </a:spcAft>
+              <a:buNone/>
+              <a:defRPr sz="900">
+                <a:solidFill>
+                  <a:schemeClr val="accent2">
+                    <a:lumMod val="50000"/>
+                  </a:schemeClr>
+                </a:solidFill>
+                <a:latin typeface="+mn-lt"/>
+              </a:defRPr>
+            </a:lvl5pPr>
+            <a:lvl6pPr marL="2286000" indent="0" algn="l" rtl="0" eaLnBrk="1" fontAlgn="base" hangingPunct="1">
+              <a:lnSpc>
+                <a:spcPts val="1400"/>
+              </a:lnSpc>
+              <a:spcBef>
+                <a:spcPct val="20000"/>
+              </a:spcBef>
+              <a:spcAft>
+                <a:spcPct val="0"/>
+              </a:spcAft>
+              <a:buNone/>
+              <a:defRPr sz="900">
+                <a:solidFill>
+                  <a:schemeClr val="tx1"/>
+                </a:solidFill>
+                <a:latin typeface="+mn-lt"/>
+              </a:defRPr>
+            </a:lvl6pPr>
+            <a:lvl7pPr marL="2743200" indent="0" algn="l" rtl="0" eaLnBrk="1" fontAlgn="base" hangingPunct="1">
+              <a:lnSpc>
+                <a:spcPts val="1400"/>
+              </a:lnSpc>
+              <a:spcBef>
+                <a:spcPct val="20000"/>
+              </a:spcBef>
+              <a:spcAft>
+                <a:spcPct val="0"/>
+              </a:spcAft>
+              <a:buNone/>
+              <a:defRPr sz="900">
+                <a:solidFill>
+                  <a:schemeClr val="tx1"/>
+                </a:solidFill>
+                <a:latin typeface="+mn-lt"/>
+              </a:defRPr>
+            </a:lvl7pPr>
+            <a:lvl8pPr marL="3200400" indent="0" algn="l" rtl="0" eaLnBrk="1" fontAlgn="base" hangingPunct="1">
+              <a:lnSpc>
+                <a:spcPts val="1400"/>
+              </a:lnSpc>
+              <a:spcBef>
+                <a:spcPct val="20000"/>
+              </a:spcBef>
+              <a:spcAft>
+                <a:spcPct val="0"/>
+              </a:spcAft>
+              <a:buNone/>
+              <a:defRPr sz="900">
+                <a:solidFill>
+                  <a:schemeClr val="tx1"/>
+                </a:solidFill>
+                <a:latin typeface="+mn-lt"/>
+              </a:defRPr>
+            </a:lvl8pPr>
+            <a:lvl9pPr marL="3657600" indent="0" algn="l" rtl="0" eaLnBrk="1" fontAlgn="base" hangingPunct="1">
+              <a:lnSpc>
+                <a:spcPts val="1400"/>
+              </a:lnSpc>
+              <a:spcBef>
+                <a:spcPct val="20000"/>
+              </a:spcBef>
+              <a:spcAft>
+                <a:spcPct val="0"/>
+              </a:spcAft>
+              <a:buNone/>
+              <a:defRPr sz="900">
+                <a:solidFill>
+                  <a:schemeClr val="tx1"/>
+                </a:solidFill>
+                <a:latin typeface="+mn-lt"/>
+              </a:defRPr>
+            </a:lvl9pPr>
+          </a:lstStyle>
           <a:p>
             <a:pPr marL="342900" indent="-342900">
               <a:buFont typeface="Arial" panose="020B0604020202020204" pitchFamily="34" charset="0"/>
               <a:buChar char="•"/>
             </a:pPr>
             <a:r>
-              <a:rPr lang="nl-BE" dirty="0" err="1"/>
-              <a:t>Purpose</a:t>
-            </a:r>
-            <a:r>
-              <a:rPr lang="nl-BE" dirty="0"/>
-              <a:t> of </a:t>
-            </a:r>
-            <a:r>
-              <a:rPr lang="nl-BE" dirty="0" err="1"/>
-              <a:t>the</a:t>
-            </a:r>
-            <a:r>
-              <a:rPr lang="nl-BE" dirty="0"/>
-              <a:t> data </a:t>
-            </a:r>
-            <a:r>
-              <a:rPr lang="nl-BE" dirty="0" err="1"/>
+              <a:rPr lang="nl-BE" sz="1700" kern="0" dirty="0" err="1"/>
+              <a:t>Regional</a:t>
+            </a:r>
+            <a:r>
+              <a:rPr lang="nl-BE" sz="1700" kern="0" dirty="0"/>
+              <a:t> </a:t>
+            </a:r>
+            <a:r>
+              <a:rPr lang="nl-BE" sz="1700" kern="0" dirty="0" err="1"/>
               <a:t>standards</a:t>
             </a:r>
-            <a:r>
-              <a:rPr lang="nl-BE" dirty="0"/>
-              <a:t> ?</a:t>
-            </a:r>
-          </a:p>
-          <a:p>
-            <a:pPr marL="800100" lvl="1" indent="-342900">
+            <a:endParaRPr lang="nl-BE" sz="1700" kern="0" dirty="0"/>
+          </a:p>
+          <a:p>
+            <a:pPr marL="628650" lvl="1" indent="-171450">
+              <a:lnSpc>
+                <a:spcPct val="130000"/>
+              </a:lnSpc>
               <a:buFont typeface="Arial" panose="020B0604020202020204" pitchFamily="34" charset="0"/>
               <a:buChar char="•"/>
             </a:pPr>
             <a:r>
-              <a:rPr lang="nl-BE" dirty="0" err="1"/>
-              <a:t>Interoperability</a:t>
-            </a:r>
-            <a:r>
-              <a:rPr lang="nl-BE" dirty="0"/>
-              <a:t> of data exchanges </a:t>
-            </a:r>
-            <a:r>
-              <a:rPr lang="nl-BE" dirty="0" err="1"/>
-              <a:t>with</a:t>
-            </a:r>
-            <a:endParaRPr lang="nl-BE" dirty="0"/>
-          </a:p>
-          <a:p>
-            <a:pPr marL="1257300" lvl="2" indent="-342900">
-              <a:buFont typeface="Arial" panose="020B0604020202020204" pitchFamily="34" charset="0"/>
-              <a:buChar char="•"/>
-            </a:pPr>
-            <a:r>
-              <a:rPr lang="nl-BE" dirty="0"/>
-              <a:t>Federal </a:t>
-            </a:r>
-            <a:r>
-              <a:rPr lang="nl-BE" dirty="0" err="1"/>
-              <a:t>organizations</a:t>
-            </a:r>
-            <a:endParaRPr lang="nl-BE" dirty="0"/>
-          </a:p>
-          <a:p>
-            <a:pPr marL="1257300" lvl="2" indent="-342900">
-              <a:buFont typeface="Arial" panose="020B0604020202020204" pitchFamily="34" charset="0"/>
-              <a:buChar char="•"/>
-            </a:pPr>
-            <a:r>
-              <a:rPr lang="nl-BE" dirty="0" err="1"/>
-              <a:t>Regions</a:t>
-            </a:r>
-            <a:r>
-              <a:rPr lang="nl-BE" dirty="0"/>
-              <a:t> &amp; </a:t>
-            </a:r>
-            <a:r>
-              <a:rPr lang="nl-BE" dirty="0" err="1"/>
-              <a:t>Comminities</a:t>
-            </a:r>
-            <a:endParaRPr lang="nl-BE" dirty="0"/>
-          </a:p>
-          <a:p>
-            <a:pPr marL="1257300" lvl="2" indent="-342900">
-              <a:buFont typeface="Arial" panose="020B0604020202020204" pitchFamily="34" charset="0"/>
-              <a:buChar char="•"/>
-            </a:pPr>
-            <a:r>
-              <a:rPr lang="nl-BE" dirty="0"/>
-              <a:t>EU</a:t>
-            </a:r>
-          </a:p>
-          <a:p>
-            <a:pPr marL="342900" indent="-342900">
-              <a:buFont typeface="Arial" panose="020B0604020202020204" pitchFamily="34" charset="0"/>
-              <a:buChar char="•"/>
-            </a:pPr>
-            <a:r>
-              <a:rPr lang="nl-BE" dirty="0"/>
-              <a:t>European </a:t>
-            </a:r>
-            <a:r>
-              <a:rPr lang="nl-BE" dirty="0" err="1"/>
-              <a:t>standards</a:t>
-            </a:r>
-            <a:r>
-              <a:rPr lang="nl-BE" dirty="0"/>
-              <a:t> – </a:t>
-            </a:r>
-            <a:r>
-              <a:rPr lang="nl-BE" dirty="0" err="1"/>
-              <a:t>Core</a:t>
-            </a:r>
-            <a:r>
-              <a:rPr lang="nl-BE" dirty="0"/>
-              <a:t> </a:t>
-            </a:r>
-            <a:r>
-              <a:rPr lang="nl-BE" dirty="0" err="1"/>
-              <a:t>vocabularies</a:t>
-            </a:r>
-            <a:endParaRPr lang="nl-BE" dirty="0"/>
-          </a:p>
-          <a:p>
-            <a:pPr marL="342900" indent="-342900">
-              <a:buFont typeface="Arial" panose="020B0604020202020204" pitchFamily="34" charset="0"/>
-              <a:buChar char="•"/>
-            </a:pPr>
-            <a:r>
-              <a:rPr lang="nl-BE" dirty="0"/>
-              <a:t>Federal </a:t>
-            </a:r>
-            <a:r>
-              <a:rPr lang="nl-BE" dirty="0" err="1"/>
-              <a:t>functional</a:t>
-            </a:r>
-            <a:r>
-              <a:rPr lang="nl-BE" dirty="0"/>
-              <a:t> standard </a:t>
-            </a:r>
-          </a:p>
-          <a:p>
-            <a:pPr marL="628650" lvl="1" indent="-171450">
-              <a:buFont typeface="Arial" panose="020B0604020202020204" pitchFamily="34" charset="0"/>
-              <a:buChar char="•"/>
-            </a:pPr>
-            <a:r>
-              <a:rPr lang="nl-BE" sz="1100" dirty="0">
+              <a:rPr lang="nl-BE" sz="800" dirty="0">
                 <a:solidFill>
                   <a:schemeClr val="tx1">
                     <a:lumMod val="60000"/>
@@ -13372,12 +13645,16 @@
                   </a:extLst>
                 </a:hlinkClick>
               </a:rPr>
-              <a:t>https://github.com/belgif/fedvoc</a:t>
-            </a:r>
-            <a:r>
-              <a:rPr lang="nl-BE" sz="1100" dirty="0"/>
-              <a:t> </a:t>
-            </a:r>
+              <a:t>https://data.vlaanderen.be/standaarden/</a:t>
+            </a:r>
+            <a:endParaRPr lang="nl-BE" sz="800" dirty="0">
+              <a:solidFill>
+                <a:schemeClr val="tx1">
+                  <a:lumMod val="60000"/>
+                  <a:lumOff val="40000"/>
+                </a:schemeClr>
+              </a:solidFill>
+            </a:endParaRPr>
           </a:p>
           <a:p>
             <a:pPr marL="342900" indent="-342900">
@@ -13385,14 +13662,357 @@
               <a:buChar char="•"/>
             </a:pPr>
             <a:r>
-              <a:rPr lang="nl-BE" dirty="0"/>
-              <a:t>Federal REST </a:t>
-            </a:r>
-            <a:r>
-              <a:rPr lang="nl-BE" dirty="0" err="1"/>
-              <a:t>styleguide</a:t>
-            </a:r>
-            <a:endParaRPr lang="nl-BE" dirty="0"/>
+              <a:rPr lang="nl-BE" sz="1700" kern="0" dirty="0" err="1"/>
+              <a:t>Interfederal</a:t>
+            </a:r>
+            <a:r>
+              <a:rPr lang="nl-BE" sz="1700" kern="0" dirty="0"/>
+              <a:t> </a:t>
+            </a:r>
+            <a:r>
+              <a:rPr lang="nl-BE" sz="1700" kern="0" dirty="0" err="1"/>
+              <a:t>standards</a:t>
+            </a:r>
+            <a:r>
+              <a:rPr lang="nl-BE" sz="1700" kern="0" dirty="0"/>
+              <a:t> at ICEG</a:t>
+            </a:r>
+          </a:p>
+          <a:p>
+            <a:pPr marL="628650" lvl="1" indent="-171450">
+              <a:lnSpc>
+                <a:spcPct val="130000"/>
+              </a:lnSpc>
+              <a:buFont typeface="Arial" panose="020B0604020202020204" pitchFamily="34" charset="0"/>
+              <a:buChar char="•"/>
+            </a:pPr>
+            <a:r>
+              <a:rPr lang="en-US" sz="800" dirty="0">
+                <a:solidFill>
+                  <a:schemeClr val="tx1">
+                    <a:lumMod val="60000"/>
+                    <a:lumOff val="40000"/>
+                  </a:schemeClr>
+                </a:solidFill>
+                <a:hlinkClick r:id="rId3">
+                  <a:extLst>
+                    <a:ext uri="{A12FA001-AC4F-418D-AE19-62706E023703}">
+                      <ahyp:hlinkClr xmlns:ahyp="http://schemas.microsoft.com/office/drawing/2018/hyperlinkcolor" val="tx"/>
+                    </a:ext>
+                  </a:extLst>
+                </a:hlinkClick>
+              </a:rPr>
+              <a:t>https://github.com/belgif/review</a:t>
+            </a:r>
+            <a:r>
+              <a:rPr lang="en-US" sz="800" dirty="0">
+                <a:solidFill>
+                  <a:schemeClr val="tx1">
+                    <a:lumMod val="60000"/>
+                    <a:lumOff val="40000"/>
+                  </a:schemeClr>
+                </a:solidFill>
+              </a:rPr>
+              <a:t> , </a:t>
+            </a:r>
+          </a:p>
+          <a:p>
+            <a:pPr marL="628650" lvl="1" indent="-171450">
+              <a:lnSpc>
+                <a:spcPct val="130000"/>
+              </a:lnSpc>
+              <a:buFont typeface="Arial" panose="020B0604020202020204" pitchFamily="34" charset="0"/>
+              <a:buChar char="•"/>
+            </a:pPr>
+            <a:r>
+              <a:rPr lang="en-US" sz="800" dirty="0">
+                <a:solidFill>
+                  <a:schemeClr val="tx1">
+                    <a:lumMod val="60000"/>
+                    <a:lumOff val="40000"/>
+                  </a:schemeClr>
+                </a:solidFill>
+                <a:hlinkClick r:id="rId4">
+                  <a:extLst>
+                    <a:ext uri="{A12FA001-AC4F-418D-AE19-62706E023703}">
+                      <ahyp:hlinkClr xmlns:ahyp="http://schemas.microsoft.com/office/drawing/2018/hyperlinkcolor" val="tx"/>
+                    </a:ext>
+                  </a:extLst>
+                </a:hlinkClick>
+              </a:rPr>
+              <a:t>https://github.com/belgif/thematic</a:t>
+            </a:r>
+            <a:endParaRPr lang="nl-BE" sz="800" dirty="0">
+              <a:solidFill>
+                <a:schemeClr val="tx1">
+                  <a:lumMod val="60000"/>
+                  <a:lumOff val="40000"/>
+                </a:schemeClr>
+              </a:solidFill>
+            </a:endParaRPr>
+          </a:p>
+          <a:p>
+            <a:pPr lvl="2"/>
+            <a:endParaRPr lang="nl-BE" sz="700" kern="0" dirty="0"/>
+          </a:p>
+          <a:p>
+            <a:endParaRPr lang="nl-BE" sz="1600" kern="0" dirty="0"/>
+          </a:p>
+        </p:txBody>
+      </p:sp>
+      <p:sp>
+        <p:nvSpPr>
+          <p:cNvPr id="7" name="Text Placeholder 2">
+            <a:extLst>
+              <a:ext uri="{FF2B5EF4-FFF2-40B4-BE49-F238E27FC236}">
+                <a16:creationId xmlns:a16="http://schemas.microsoft.com/office/drawing/2014/main" id="{0D5470AB-AA8B-4AF4-AEFD-F35B51AF0C8D}"/>
+              </a:ext>
+            </a:extLst>
+          </p:cNvPr>
+          <p:cNvSpPr txBox="1">
+            <a:spLocks/>
+          </p:cNvSpPr>
+          <p:nvPr/>
+        </p:nvSpPr>
+        <p:spPr>
+          <a:xfrm>
+            <a:off x="251520" y="2710429"/>
+            <a:ext cx="4104456" cy="2433071"/>
+          </a:xfrm>
+          <a:prstGeom prst="rect">
+            <a:avLst/>
+          </a:prstGeom>
+        </p:spPr>
+        <p:txBody>
+          <a:bodyPr vert="horz" lIns="91440" tIns="45720" rIns="91440" bIns="45720" rtlCol="0">
+            <a:normAutofit fontScale="92500"/>
+          </a:bodyPr>
+          <a:lstStyle>
+            <a:lvl1pPr marL="0" indent="0" algn="l" rtl="0" eaLnBrk="1" fontAlgn="base" hangingPunct="1">
+              <a:lnSpc>
+                <a:spcPct val="150000"/>
+              </a:lnSpc>
+              <a:spcBef>
+                <a:spcPct val="0"/>
+              </a:spcBef>
+              <a:spcAft>
+                <a:spcPts val="0"/>
+              </a:spcAft>
+              <a:buNone/>
+              <a:defRPr sz="2400">
+                <a:solidFill>
+                  <a:schemeClr val="tx1"/>
+                </a:solidFill>
+                <a:latin typeface="+mn-lt"/>
+                <a:ea typeface="+mn-ea"/>
+                <a:cs typeface="+mn-cs"/>
+              </a:defRPr>
+            </a:lvl1pPr>
+            <a:lvl2pPr marL="457200" indent="0" algn="l" rtl="0" eaLnBrk="1" fontAlgn="base" hangingPunct="1">
+              <a:lnSpc>
+                <a:spcPct val="150000"/>
+              </a:lnSpc>
+              <a:spcBef>
+                <a:spcPct val="20000"/>
+              </a:spcBef>
+              <a:spcAft>
+                <a:spcPct val="0"/>
+              </a:spcAft>
+              <a:buFont typeface="Arial" panose="020B0604020202020204" pitchFamily="34" charset="0"/>
+              <a:buNone/>
+              <a:defRPr sz="1200">
+                <a:solidFill>
+                  <a:schemeClr val="accent2">
+                    <a:lumMod val="50000"/>
+                  </a:schemeClr>
+                </a:solidFill>
+                <a:latin typeface="+mn-lt"/>
+              </a:defRPr>
+            </a:lvl2pPr>
+            <a:lvl3pPr marL="914400" indent="0" algn="l" rtl="0" eaLnBrk="1" fontAlgn="base" hangingPunct="1">
+              <a:lnSpc>
+                <a:spcPct val="150000"/>
+              </a:lnSpc>
+              <a:spcBef>
+                <a:spcPct val="20000"/>
+              </a:spcBef>
+              <a:spcAft>
+                <a:spcPct val="0"/>
+              </a:spcAft>
+              <a:buSzPct val="60000"/>
+              <a:buFont typeface="Courier New" panose="02070309020205020404" pitchFamily="49" charset="0"/>
+              <a:buNone/>
+              <a:defRPr sz="1000">
+                <a:solidFill>
+                  <a:schemeClr val="accent2">
+                    <a:lumMod val="50000"/>
+                  </a:schemeClr>
+                </a:solidFill>
+                <a:latin typeface="+mn-lt"/>
+              </a:defRPr>
+            </a:lvl3pPr>
+            <a:lvl4pPr marL="1371600" indent="0" algn="l" rtl="0" eaLnBrk="1" fontAlgn="base" hangingPunct="1">
+              <a:lnSpc>
+                <a:spcPct val="150000"/>
+              </a:lnSpc>
+              <a:spcBef>
+                <a:spcPct val="20000"/>
+              </a:spcBef>
+              <a:spcAft>
+                <a:spcPct val="0"/>
+              </a:spcAft>
+              <a:buFont typeface="Wingdings" panose="05000000000000000000" pitchFamily="2" charset="2"/>
+              <a:buNone/>
+              <a:defRPr sz="900">
+                <a:solidFill>
+                  <a:schemeClr val="accent2">
+                    <a:lumMod val="50000"/>
+                  </a:schemeClr>
+                </a:solidFill>
+                <a:latin typeface="+mn-lt"/>
+              </a:defRPr>
+            </a:lvl4pPr>
+            <a:lvl5pPr marL="1828800" indent="0" algn="l" rtl="0" eaLnBrk="1" fontAlgn="base" hangingPunct="1">
+              <a:lnSpc>
+                <a:spcPct val="150000"/>
+              </a:lnSpc>
+              <a:spcBef>
+                <a:spcPct val="20000"/>
+              </a:spcBef>
+              <a:spcAft>
+                <a:spcPct val="0"/>
+              </a:spcAft>
+              <a:buNone/>
+              <a:defRPr sz="900">
+                <a:solidFill>
+                  <a:schemeClr val="accent2">
+                    <a:lumMod val="50000"/>
+                  </a:schemeClr>
+                </a:solidFill>
+                <a:latin typeface="+mn-lt"/>
+              </a:defRPr>
+            </a:lvl5pPr>
+            <a:lvl6pPr marL="2286000" indent="0" algn="l" rtl="0" eaLnBrk="1" fontAlgn="base" hangingPunct="1">
+              <a:lnSpc>
+                <a:spcPts val="1400"/>
+              </a:lnSpc>
+              <a:spcBef>
+                <a:spcPct val="20000"/>
+              </a:spcBef>
+              <a:spcAft>
+                <a:spcPct val="0"/>
+              </a:spcAft>
+              <a:buNone/>
+              <a:defRPr sz="900">
+                <a:solidFill>
+                  <a:schemeClr val="tx1"/>
+                </a:solidFill>
+                <a:latin typeface="+mn-lt"/>
+              </a:defRPr>
+            </a:lvl6pPr>
+            <a:lvl7pPr marL="2743200" indent="0" algn="l" rtl="0" eaLnBrk="1" fontAlgn="base" hangingPunct="1">
+              <a:lnSpc>
+                <a:spcPts val="1400"/>
+              </a:lnSpc>
+              <a:spcBef>
+                <a:spcPct val="20000"/>
+              </a:spcBef>
+              <a:spcAft>
+                <a:spcPct val="0"/>
+              </a:spcAft>
+              <a:buNone/>
+              <a:defRPr sz="900">
+                <a:solidFill>
+                  <a:schemeClr val="tx1"/>
+                </a:solidFill>
+                <a:latin typeface="+mn-lt"/>
+              </a:defRPr>
+            </a:lvl7pPr>
+            <a:lvl8pPr marL="3200400" indent="0" algn="l" rtl="0" eaLnBrk="1" fontAlgn="base" hangingPunct="1">
+              <a:lnSpc>
+                <a:spcPts val="1400"/>
+              </a:lnSpc>
+              <a:spcBef>
+                <a:spcPct val="20000"/>
+              </a:spcBef>
+              <a:spcAft>
+                <a:spcPct val="0"/>
+              </a:spcAft>
+              <a:buNone/>
+              <a:defRPr sz="900">
+                <a:solidFill>
+                  <a:schemeClr val="tx1"/>
+                </a:solidFill>
+                <a:latin typeface="+mn-lt"/>
+              </a:defRPr>
+            </a:lvl8pPr>
+            <a:lvl9pPr marL="3657600" indent="0" algn="l" rtl="0" eaLnBrk="1" fontAlgn="base" hangingPunct="1">
+              <a:lnSpc>
+                <a:spcPts val="1400"/>
+              </a:lnSpc>
+              <a:spcBef>
+                <a:spcPct val="20000"/>
+              </a:spcBef>
+              <a:spcAft>
+                <a:spcPct val="0"/>
+              </a:spcAft>
+              <a:buNone/>
+              <a:defRPr sz="900">
+                <a:solidFill>
+                  <a:schemeClr val="tx1"/>
+                </a:solidFill>
+                <a:latin typeface="+mn-lt"/>
+              </a:defRPr>
+            </a:lvl9pPr>
+          </a:lstStyle>
+          <a:p>
+            <a:pPr marL="342900" indent="-342900">
+              <a:buFont typeface="Arial" panose="020B0604020202020204" pitchFamily="34" charset="0"/>
+              <a:buChar char="•"/>
+            </a:pPr>
+            <a:r>
+              <a:rPr lang="nl-BE" sz="1800" kern="0" dirty="0"/>
+              <a:t>European </a:t>
+            </a:r>
+            <a:r>
+              <a:rPr lang="nl-BE" sz="1800" kern="0" dirty="0" err="1"/>
+              <a:t>standards</a:t>
+            </a:r>
+            <a:r>
+              <a:rPr lang="nl-BE" sz="1800" kern="0" dirty="0"/>
+              <a:t> – </a:t>
+            </a:r>
+            <a:r>
+              <a:rPr lang="nl-BE" sz="1800" kern="0" dirty="0" err="1"/>
+              <a:t>Core</a:t>
+            </a:r>
+            <a:r>
+              <a:rPr lang="nl-BE" sz="1800" kern="0" dirty="0"/>
+              <a:t> </a:t>
+            </a:r>
+            <a:r>
+              <a:rPr lang="nl-BE" sz="1800" kern="0" dirty="0" err="1"/>
+              <a:t>vocabularies</a:t>
+            </a:r>
+            <a:endParaRPr lang="nl-BE" sz="1800" kern="0" dirty="0"/>
+          </a:p>
+          <a:p>
+            <a:pPr marL="342900" indent="-342900">
+              <a:buFont typeface="Arial" panose="020B0604020202020204" pitchFamily="34" charset="0"/>
+              <a:buChar char="•"/>
+            </a:pPr>
+            <a:r>
+              <a:rPr lang="nl-BE" sz="1800" kern="0" dirty="0"/>
+              <a:t>Federal </a:t>
+            </a:r>
+            <a:r>
+              <a:rPr lang="nl-BE" sz="1800" kern="0" dirty="0" err="1"/>
+              <a:t>functional</a:t>
+            </a:r>
+            <a:r>
+              <a:rPr lang="nl-BE" sz="1800" kern="0" dirty="0"/>
+              <a:t> standard </a:t>
+            </a:r>
           </a:p>
           <a:p>
             <a:pPr marL="628650" lvl="1" indent="-171450">
@@ -13400,23 +14020,42 @@
               <a:buChar char="•"/>
             </a:pPr>
             <a:r>
-              <a:rPr lang="nl-BE" dirty="0">
-                <a:hlinkClick r:id="rId3"/>
+              <a:rPr lang="nl-BE" sz="800" kern="0" dirty="0">
+                <a:solidFill>
+                  <a:schemeClr val="tx1">
+                    <a:lumMod val="60000"/>
+                    <a:lumOff val="40000"/>
+                  </a:schemeClr>
+                </a:solidFill>
+                <a:hlinkClick r:id="rId5">
+                  <a:extLst>
+                    <a:ext uri="{A12FA001-AC4F-418D-AE19-62706E023703}">
+                      <ahyp:hlinkClr xmlns:ahyp="http://schemas.microsoft.com/office/drawing/2018/hyperlinkcolor" val="tx"/>
+                    </a:ext>
+                  </a:extLst>
+                </a:hlinkClick>
               </a:rPr>
-              <a:t>https://github.com/belgif/rest-guide</a:t>
-            </a:r>
-            <a:r>
-              <a:rPr lang="nl-BE" dirty="0"/>
-              <a:t> (</a:t>
-            </a:r>
-            <a:r>
-              <a:rPr lang="nl-BE" dirty="0" err="1"/>
-              <a:t>artifacts</a:t>
-            </a:r>
-            <a:r>
-              <a:rPr lang="nl-BE" dirty="0"/>
-              <a:t> + issues)</a:t>
-            </a:r>
+              <a:t>https://github.com/belgif/fedvoc</a:t>
+            </a:r>
+            <a:r>
+              <a:rPr lang="nl-BE" sz="800" kern="0" dirty="0"/>
+              <a:t> </a:t>
+            </a:r>
+          </a:p>
+          <a:p>
+            <a:pPr marL="342900" indent="-342900">
+              <a:buFont typeface="Arial" panose="020B0604020202020204" pitchFamily="34" charset="0"/>
+              <a:buChar char="•"/>
+            </a:pPr>
+            <a:r>
+              <a:rPr lang="nl-BE" sz="1800" kern="0" dirty="0"/>
+              <a:t>Federal REST </a:t>
+            </a:r>
+            <a:r>
+              <a:rPr lang="nl-BE" sz="1800" kern="0" dirty="0" err="1"/>
+              <a:t>styleguide</a:t>
+            </a:r>
+            <a:endParaRPr lang="nl-BE" sz="1800" kern="0" dirty="0"/>
           </a:p>
           <a:p>
             <a:pPr marL="628650" lvl="1" indent="-171450">
@@ -13424,42 +14063,23 @@
               <a:buChar char="•"/>
             </a:pPr>
             <a:r>
-              <a:rPr lang="nl-BE" dirty="0">
-                <a:hlinkClick r:id="rId4"/>
+              <a:rPr lang="nl-BE" sz="900" kern="0" dirty="0">
+                <a:hlinkClick r:id="rId6"/>
               </a:rPr>
-              <a:t>https://www.gcloud.belgium.be/rest/</a:t>
-            </a:r>
-            <a:r>
-              <a:rPr lang="nl-BE" dirty="0"/>
-              <a:t> (REST </a:t>
-            </a:r>
-            <a:r>
-              <a:rPr lang="nl-BE" dirty="0" err="1"/>
-              <a:t>styleguide</a:t>
-            </a:r>
-            <a:r>
-              <a:rPr lang="nl-BE" dirty="0"/>
-              <a:t>)</a:t>
-            </a:r>
-          </a:p>
-          <a:p>
-            <a:pPr marL="342900" indent="-342900">
-              <a:buFont typeface="Arial" panose="020B0604020202020204" pitchFamily="34" charset="0"/>
-              <a:buChar char="•"/>
-            </a:pPr>
-            <a:r>
-              <a:rPr lang="nl-BE" dirty="0" err="1"/>
-              <a:t>Regional</a:t>
-            </a:r>
-            <a:r>
-              <a:rPr lang="nl-BE" dirty="0"/>
-              <a:t> </a:t>
-            </a:r>
-            <a:r>
-              <a:rPr lang="nl-BE" dirty="0" err="1"/>
-              <a:t>standards</a:t>
-            </a:r>
-            <a:endParaRPr lang="nl-BE" dirty="0"/>
+              <a:t>https://github.com/belgif/rest-guide</a:t>
+            </a:r>
+            <a:r>
+              <a:rPr lang="nl-BE" sz="900" kern="0" dirty="0"/>
+              <a:t> (</a:t>
+            </a:r>
+            <a:r>
+              <a:rPr lang="nl-BE" sz="900" kern="0" dirty="0" err="1"/>
+              <a:t>artifacts</a:t>
+            </a:r>
+            <a:r>
+              <a:rPr lang="nl-BE" sz="900" kern="0" dirty="0"/>
+              <a:t> + issues)</a:t>
+            </a:r>
           </a:p>
           <a:p>
             <a:pPr marL="628650" lvl="1" indent="-171450">
@@ -13467,137 +14087,55 @@
               <a:buChar char="•"/>
             </a:pPr>
             <a:r>
-              <a:rPr lang="nl-BE" sz="1300" dirty="0">
-                <a:hlinkClick r:id="rId5"/>
+              <a:rPr lang="nl-BE" sz="900" kern="0" dirty="0">
+                <a:hlinkClick r:id="rId7"/>
               </a:rPr>
-              <a:t>https://data.vlaanderen.be/standaarden/</a:t>
-            </a:r>
-            <a:endParaRPr lang="nl-BE" sz="1300" dirty="0"/>
-          </a:p>
-          <a:p>
-            <a:pPr marL="342900" indent="-342900">
+              <a:t>https://www.gcloud.belgium.be/rest/</a:t>
+            </a:r>
+            <a:r>
+              <a:rPr lang="nl-BE" sz="900" kern="0" dirty="0"/>
+              <a:t> (REST </a:t>
+            </a:r>
+            <a:r>
+              <a:rPr lang="nl-BE" sz="900" kern="0" dirty="0" err="1"/>
+              <a:t>styleguide</a:t>
+            </a:r>
+            <a:r>
+              <a:rPr lang="nl-BE" sz="900" kern="0" dirty="0"/>
+              <a:t>)</a:t>
+            </a:r>
+          </a:p>
+          <a:p>
+            <a:pPr marL="628650" lvl="1" indent="-171450">
               <a:buFont typeface="Arial" panose="020B0604020202020204" pitchFamily="34" charset="0"/>
               <a:buChar char="•"/>
             </a:pPr>
             <a:r>
-              <a:rPr lang="nl-BE" dirty="0" err="1"/>
-              <a:t>Interfederal</a:t>
-            </a:r>
-            <a:r>
-              <a:rPr lang="nl-BE" dirty="0"/>
-              <a:t> </a:t>
-            </a:r>
-            <a:r>
-              <a:rPr lang="nl-BE" dirty="0" err="1"/>
-              <a:t>standards</a:t>
-            </a:r>
-            <a:r>
-              <a:rPr lang="nl-BE" dirty="0"/>
-              <a:t> at ICEG</a:t>
-            </a:r>
-          </a:p>
-          <a:p>
-            <a:pPr marL="800100" lvl="1" indent="-342900">
-              <a:buFont typeface="Arial" panose="020B0604020202020204" pitchFamily="34" charset="0"/>
-              <a:buChar char="•"/>
-            </a:pPr>
-            <a:r>
-              <a:rPr lang="en-US" sz="1100" u="sng" dirty="0">
+              <a:rPr lang="nl-BE" sz="900" u="sng" kern="0" dirty="0">
                 <a:hlinkClick r:id="rId6"/>
               </a:rPr>
-              <a:t>https://github.com/belgif/review</a:t>
-            </a:r>
-            <a:r>
-              <a:rPr lang="en-US" sz="1100" u="sng" dirty="0"/>
-              <a:t> , </a:t>
-            </a:r>
-          </a:p>
-          <a:p>
-            <a:pPr marL="800100" lvl="1" indent="-342900">
-              <a:buFont typeface="Arial" panose="020B0604020202020204" pitchFamily="34" charset="0"/>
-              <a:buChar char="•"/>
-            </a:pPr>
-            <a:r>
-              <a:rPr lang="en-US" sz="1100" u="sng" dirty="0">
-                <a:hlinkClick r:id="rId7"/>
-              </a:rPr>
-              <a:t>https://github.com/belgif/thematic</a:t>
-            </a:r>
-            <a:endParaRPr lang="nl-BE" sz="1100" dirty="0"/>
+              <a:t>https://github.com/belgif/rest-guide</a:t>
+            </a:r>
+            <a:r>
+              <a:rPr lang="nl-BE" sz="900" u="sng" kern="0" dirty="0"/>
+              <a:t> (</a:t>
+            </a:r>
+            <a:r>
+              <a:rPr lang="nl-NL" sz="900" kern="0" dirty="0" err="1"/>
+              <a:t>OpenAPI</a:t>
+            </a:r>
+            <a:r>
+              <a:rPr lang="nl-NL" sz="900" kern="0" dirty="0"/>
+              <a:t> data types)</a:t>
+            </a:r>
+            <a:endParaRPr lang="nl-BE" sz="900" kern="0" dirty="0"/>
           </a:p>
           <a:p>
             <a:pPr lvl="2"/>
-            <a:endParaRPr lang="nl-BE" dirty="0"/>
-          </a:p>
-          <a:p>
-            <a:endParaRPr lang="nl-BE" dirty="0"/>
-          </a:p>
-        </p:txBody>
-      </p:sp>
-      <p:sp>
-        <p:nvSpPr>
-          <p:cNvPr id="4" name="Slide Number Placeholder 3">
-            <a:extLst>
-              <a:ext uri="{FF2B5EF4-FFF2-40B4-BE49-F238E27FC236}">
-                <a16:creationId xmlns:a16="http://schemas.microsoft.com/office/drawing/2014/main" id="{BCF2F412-33ED-41FC-8B97-715AEE1633B9}"/>
-              </a:ext>
-            </a:extLst>
-          </p:cNvPr>
-          <p:cNvSpPr>
-            <a:spLocks noGrp="1"/>
-          </p:cNvSpPr>
-          <p:nvPr>
-            <p:ph type="sldNum" sz="quarter" idx="10"/>
-          </p:nvPr>
-        </p:nvSpPr>
-        <p:spPr/>
-        <p:txBody>
-          <a:bodyPr/>
-          <a:lstStyle/>
-          <a:p>
-            <a:fld id="{DF1FBB3B-0B1B-4319-9DD0-891705888316}" type="slidenum">
-              <a:rPr lang="fr-BE" smtClean="0"/>
-              <a:pPr/>
-              <a:t>3</a:t>
-            </a:fld>
-            <a:endParaRPr lang="fr-BE" dirty="0"/>
-          </a:p>
-        </p:txBody>
-      </p:sp>
-      <p:sp>
-        <p:nvSpPr>
-          <p:cNvPr id="5" name="Title 4">
-            <a:extLst>
-              <a:ext uri="{FF2B5EF4-FFF2-40B4-BE49-F238E27FC236}">
-                <a16:creationId xmlns:a16="http://schemas.microsoft.com/office/drawing/2014/main" id="{2365E02C-870A-4763-8889-374CB16C4124}"/>
-              </a:ext>
-            </a:extLst>
-          </p:cNvPr>
-          <p:cNvSpPr>
-            <a:spLocks noGrp="1"/>
-          </p:cNvSpPr>
-          <p:nvPr>
-            <p:ph type="title"/>
-          </p:nvPr>
-        </p:nvSpPr>
-        <p:spPr/>
-        <p:txBody>
-          <a:bodyPr/>
-          <a:lstStyle/>
-          <a:p>
-            <a:r>
-              <a:rPr lang="nl-BE" dirty="0" err="1"/>
-              <a:t>Available</a:t>
-            </a:r>
-            <a:r>
-              <a:rPr lang="nl-BE" dirty="0"/>
-              <a:t> data </a:t>
-            </a:r>
-            <a:r>
-              <a:rPr lang="nl-BE" dirty="0" err="1"/>
-              <a:t>standards</a:t>
-            </a:r>
-            <a:endParaRPr lang="nl-BE" dirty="0"/>
+            <a:endParaRPr lang="nl-BE" sz="700" kern="0" dirty="0"/>
+          </a:p>
+          <a:p>
+            <a:endParaRPr lang="nl-BE" sz="1800" kern="0" dirty="0"/>
           </a:p>
         </p:txBody>
       </p:sp>
